--- a/models-comp-comm/documents/Instruction Set Architecture.pptx
+++ b/models-comp-comm/documents/Instruction Set Architecture.pptx
@@ -1581,7 +1581,7 @@
         </p:nvSpPr>
         <p:spPr>
           <a:xfrm>
-            <a:off x="381300" y="685800"/>
+            <a:off x="381000" y="685800"/>
             <a:ext cx="6096000" cy="3429000"/>
           </a:xfrm>
           <a:custGeom>
@@ -15313,7 +15313,7 @@
         </p:spPr>
         <p:txBody>
           <a:bodyPr spcFirstLastPara="1" wrap="square" lIns="91425" tIns="91425" rIns="91425" bIns="91425" anchor="t" anchorCtr="0">
-            <a:normAutofit fontScale="85000" lnSpcReduction="20000"/>
+            <a:normAutofit fontScale="92500" lnSpcReduction="20000"/>
           </a:bodyPr>
           <a:lstStyle/>
           <a:p>
@@ -15328,10 +15328,10 @@
               <a:buChar char="●"/>
             </a:pPr>
             <a:r>
-              <a:rPr lang="en"/>
+              <a:rPr lang="en" dirty="0"/>
               <a:t>Three basic instruction types</a:t>
             </a:r>
-            <a:endParaRPr/>
+            <a:endParaRPr dirty="0"/>
           </a:p>
           <a:p>
             <a:pPr marL="914400" lvl="1" indent="-304165" algn="l" rtl="0">
@@ -15345,10 +15345,10 @@
               <a:buChar char="○"/>
             </a:pPr>
             <a:r>
-              <a:rPr lang="en"/>
+              <a:rPr lang="en" dirty="0"/>
               <a:t>Arithmetic, bitwise logic, etc.</a:t>
             </a:r>
-            <a:endParaRPr/>
+            <a:endParaRPr dirty="0"/>
           </a:p>
           <a:p>
             <a:pPr marL="914400" lvl="1" indent="-304165" algn="l" rtl="0">
@@ -15362,10 +15362,10 @@
               <a:buChar char="○"/>
             </a:pPr>
             <a:r>
-              <a:rPr lang="en"/>
+              <a:rPr lang="en" dirty="0"/>
               <a:t>Data transfers</a:t>
             </a:r>
-            <a:endParaRPr/>
+            <a:endParaRPr dirty="0"/>
           </a:p>
           <a:p>
             <a:pPr marL="914400" lvl="1" indent="-304165" algn="l" rtl="0">
@@ -15379,13 +15379,13 @@
               <a:buChar char="○"/>
             </a:pPr>
             <a:r>
-              <a:rPr lang="en"/>
+              <a:rPr lang="en" dirty="0"/>
               <a:t>Basic control flow</a:t>
             </a:r>
             <a:br>
-              <a:rPr lang="en"/>
+              <a:rPr lang="en" dirty="0"/>
             </a:br>
-            <a:endParaRPr/>
+            <a:endParaRPr dirty="0"/>
           </a:p>
           <a:p>
             <a:pPr marL="457200" lvl="0" indent="-325755" algn="l" rtl="0">
@@ -15400,7 +15400,7 @@
               <a:buChar char="●"/>
             </a:pPr>
             <a:r>
-              <a:rPr lang="en">
+              <a:rPr lang="en" dirty="0">
                 <a:latin typeface="Source Code Pro"/>
                 <a:ea typeface="Source Code Pro"/>
                 <a:cs typeface="Source Code Pro"/>
@@ -15408,7 +15408,7 @@
               </a:rPr>
               <a:t>Examples:</a:t>
             </a:r>
-            <a:endParaRPr>
+            <a:endParaRPr dirty="0">
               <a:latin typeface="Source Code Pro"/>
               <a:ea typeface="Source Code Pro"/>
               <a:cs typeface="Source Code Pro"/>
@@ -15428,7 +15428,7 @@
               <a:buChar char="○"/>
             </a:pPr>
             <a:r>
-              <a:rPr lang="en">
+              <a:rPr lang="en" sz="1200" dirty="0">
                 <a:latin typeface="Source Code Pro"/>
                 <a:ea typeface="Source Code Pro"/>
                 <a:cs typeface="Source Code Pro"/>
@@ -15436,7 +15436,7 @@
               </a:rPr>
               <a:t>add  $v0, $v0, $a0    #  $v0 = $v0 + $a0          </a:t>
             </a:r>
-            <a:endParaRPr>
+            <a:endParaRPr sz="1200" dirty="0">
               <a:latin typeface="Source Code Pro"/>
               <a:ea typeface="Source Code Pro"/>
               <a:cs typeface="Source Code Pro"/>
@@ -15456,15 +15456,24 @@
               <a:buChar char="○"/>
             </a:pPr>
             <a:r>
-              <a:rPr lang="en">
+              <a:rPr lang="en" sz="1200" dirty="0" err="1">
                 <a:latin typeface="Source Code Pro"/>
                 <a:ea typeface="Source Code Pro"/>
                 <a:cs typeface="Source Code Pro"/>
                 <a:sym typeface="Source Code Pro"/>
               </a:rPr>
-              <a:t>addi $v0, $v0, 2      #  $v0 = $v0 + 2             </a:t>
-            </a:r>
-            <a:endParaRPr>
+              <a:t>addi</a:t>
+            </a:r>
+            <a:r>
+              <a:rPr lang="en" sz="1200" dirty="0">
+                <a:latin typeface="Source Code Pro"/>
+                <a:ea typeface="Source Code Pro"/>
+                <a:cs typeface="Source Code Pro"/>
+                <a:sym typeface="Source Code Pro"/>
+              </a:rPr>
+              <a:t> $v0, $v0, 2      #  $v0 = $v0 + 2             </a:t>
+            </a:r>
+            <a:endParaRPr sz="1200" dirty="0">
               <a:latin typeface="Source Code Pro"/>
               <a:ea typeface="Source Code Pro"/>
               <a:cs typeface="Source Code Pro"/>
@@ -15484,15 +15493,24 @@
               <a:buChar char="○"/>
             </a:pPr>
             <a:r>
-              <a:rPr lang="en">
+              <a:rPr lang="en" sz="1200" dirty="0" err="1">
                 <a:latin typeface="Source Code Pro"/>
                 <a:ea typeface="Source Code Pro"/>
                 <a:cs typeface="Source Code Pro"/>
                 <a:sym typeface="Source Code Pro"/>
               </a:rPr>
-              <a:t>srl  $a0, $a1, $a2    #  $a0 = $a1 &gt;&gt;&gt; $a2</a:t>
-            </a:r>
-            <a:endParaRPr>
+              <a:t>srl</a:t>
+            </a:r>
+            <a:r>
+              <a:rPr lang="en" sz="1200" dirty="0">
+                <a:latin typeface="Source Code Pro"/>
+                <a:ea typeface="Source Code Pro"/>
+                <a:cs typeface="Source Code Pro"/>
+                <a:sym typeface="Source Code Pro"/>
+              </a:rPr>
+              <a:t>  $a0, $a1, $a2    #  $a0 = $a1 &gt;&gt;&gt; $a2</a:t>
+            </a:r>
+            <a:endParaRPr sz="1200" dirty="0">
               <a:latin typeface="Source Code Pro"/>
               <a:ea typeface="Source Code Pro"/>
               <a:cs typeface="Source Code Pro"/>
@@ -15512,7 +15530,7 @@
               <a:buChar char="○"/>
             </a:pPr>
             <a:r>
-              <a:rPr lang="en">
+              <a:rPr lang="en" sz="1200" dirty="0">
                 <a:latin typeface="Source Code Pro"/>
                 <a:ea typeface="Source Code Pro"/>
                 <a:cs typeface="Source Code Pro"/>
@@ -15521,14 +15539,14 @@
               <a:t>li   $t0, 4           #  $t0 = 4</a:t>
             </a:r>
             <a:br>
-              <a:rPr lang="en">
+              <a:rPr lang="en" sz="1200" dirty="0">
                 <a:latin typeface="Source Code Pro"/>
                 <a:ea typeface="Source Code Pro"/>
                 <a:cs typeface="Source Code Pro"/>
                 <a:sym typeface="Source Code Pro"/>
               </a:rPr>
             </a:br>
-            <a:endParaRPr>
+            <a:endParaRPr sz="1200" dirty="0">
               <a:latin typeface="Source Code Pro"/>
               <a:ea typeface="Source Code Pro"/>
               <a:cs typeface="Source Code Pro"/>
@@ -15548,7 +15566,7 @@
               <a:buChar char="○"/>
             </a:pPr>
             <a:r>
-              <a:rPr lang="en">
+              <a:rPr lang="en" sz="1200" dirty="0">
                 <a:latin typeface="Source Code Pro"/>
                 <a:ea typeface="Source Code Pro"/>
                 <a:cs typeface="Source Code Pro"/>
@@ -15556,7 +15574,7 @@
               </a:rPr>
               <a:t>move  $t1, $t2        #  $t1 = $t2</a:t>
             </a:r>
-            <a:endParaRPr>
+            <a:endParaRPr sz="1200" dirty="0">
               <a:latin typeface="Source Code Pro"/>
               <a:ea typeface="Source Code Pro"/>
               <a:cs typeface="Source Code Pro"/>
@@ -15576,16 +15594,25 @@
               <a:buChar char="○"/>
             </a:pPr>
             <a:r>
-              <a:rPr lang="en">
+              <a:rPr lang="en" sz="1200" dirty="0" err="1">
                 <a:latin typeface="Source Code Pro"/>
                 <a:ea typeface="Source Code Pro"/>
                 <a:cs typeface="Source Code Pro"/>
                 <a:sym typeface="Source Code Pro"/>
               </a:rPr>
-              <a:t>lb   $s0, 0($t0)      #  $s0 = MEM[$t0]</a:t>
+              <a:t>lb</a:t>
+            </a:r>
+            <a:r>
+              <a:rPr lang="en" sz="1200" dirty="0">
+                <a:latin typeface="Source Code Pro"/>
+                <a:ea typeface="Source Code Pro"/>
+                <a:cs typeface="Source Code Pro"/>
+                <a:sym typeface="Source Code Pro"/>
+              </a:rPr>
+              <a:t>   $s0, 0($t0)      #  $s0 = MEM[$t0]</a:t>
             </a:r>
             <a:br>
-              <a:rPr lang="en">
+              <a:rPr lang="en" sz="1200" dirty="0">
                 <a:latin typeface="Source Code Pro"/>
                 <a:ea typeface="Source Code Pro"/>
                 <a:cs typeface="Source Code Pro"/>
@@ -15593,23 +15620,50 @@
               </a:rPr>
             </a:br>
             <a:r>
-              <a:rPr lang="en">
+              <a:rPr lang="en" sz="1200" dirty="0" err="1">
                 <a:latin typeface="Source Code Pro"/>
                 <a:ea typeface="Source Code Pro"/>
                 <a:cs typeface="Source Code Pro"/>
                 <a:sym typeface="Source Code Pro"/>
               </a:rPr>
-              <a:t>lh   $s1, 3($t0)      #  $s1 = concat(MEM[$t0+3+1],MEM[$t0+3+0])</a:t>
+              <a:t>lh</a:t>
+            </a:r>
+            <a:r>
+              <a:rPr lang="en" sz="1200" dirty="0">
+                <a:latin typeface="Source Code Pro"/>
+                <a:ea typeface="Source Code Pro"/>
+                <a:cs typeface="Source Code Pro"/>
+                <a:sym typeface="Source Code Pro"/>
+              </a:rPr>
+              <a:t>   $s1, 3($t0)      #  $s1 = </a:t>
+            </a:r>
+            <a:r>
+              <a:rPr lang="en" sz="1200" dirty="0" err="1">
+                <a:latin typeface="Source Code Pro"/>
+                <a:ea typeface="Source Code Pro"/>
+                <a:cs typeface="Source Code Pro"/>
+                <a:sym typeface="Source Code Pro"/>
+              </a:rPr>
+              <a:t>concat</a:t>
+            </a:r>
+            <a:r>
+              <a:rPr lang="en" sz="1200" dirty="0">
+                <a:latin typeface="Source Code Pro"/>
+                <a:ea typeface="Source Code Pro"/>
+                <a:cs typeface="Source Code Pro"/>
+                <a:sym typeface="Source Code Pro"/>
+              </a:rPr>
+              <a:t>(MEM[$t0+3+1],MEM[$t0+3+0])</a:t>
             </a:r>
             <a:br>
-              <a:rPr lang="en">
+              <a:rPr lang="en" sz="1200" dirty="0">
                 <a:latin typeface="Source Code Pro"/>
                 <a:ea typeface="Source Code Pro"/>
                 <a:cs typeface="Source Code Pro"/>
                 <a:sym typeface="Source Code Pro"/>
               </a:rPr>
             </a:br>
-            <a:endParaRPr>
+            <a:endParaRPr lang="en" sz="1200" dirty="0">
               <a:latin typeface="Source Code Pro"/>
               <a:ea typeface="Source Code Pro"/>
               <a:cs typeface="Source Code Pro"/>
@@ -15624,20 +15678,47 @@
               <a:spcAft>
                 <a:spcPts val="0"/>
               </a:spcAft>
-              <a:buSzPct val="127272"/>
+              <a:buSzPct val="100000"/>
               <a:buFont typeface="Source Code Pro"/>
               <a:buChar char="○"/>
             </a:pPr>
             <a:r>
-              <a:rPr lang="en">
+              <a:rPr lang="en" sz="1200" dirty="0" err="1">
                 <a:latin typeface="Source Code Pro"/>
                 <a:ea typeface="Source Code Pro"/>
                 <a:cs typeface="Source Code Pro"/>
                 <a:sym typeface="Source Code Pro"/>
               </a:rPr>
-              <a:t>beq  $t3, $t5, label  # if ($t3 == $t5) goto label</a:t>
-            </a:r>
-            <a:endParaRPr sz="1100" b="1">
+              <a:t>beq</a:t>
+            </a:r>
+            <a:r>
+              <a:rPr lang="en" sz="1200" dirty="0">
+                <a:latin typeface="Source Code Pro"/>
+                <a:ea typeface="Source Code Pro"/>
+                <a:cs typeface="Source Code Pro"/>
+                <a:sym typeface="Source Code Pro"/>
+              </a:rPr>
+              <a:t>  $t3, $t5, label  # if ($t3 == $t5) </a:t>
+            </a:r>
+            <a:r>
+              <a:rPr lang="en" sz="1200" dirty="0" err="1">
+                <a:latin typeface="Source Code Pro"/>
+                <a:ea typeface="Source Code Pro"/>
+                <a:cs typeface="Source Code Pro"/>
+                <a:sym typeface="Source Code Pro"/>
+              </a:rPr>
+              <a:t>goto</a:t>
+            </a:r>
+            <a:r>
+              <a:rPr lang="en" sz="1200" dirty="0">
+                <a:latin typeface="Source Code Pro"/>
+                <a:ea typeface="Source Code Pro"/>
+                <a:cs typeface="Source Code Pro"/>
+                <a:sym typeface="Source Code Pro"/>
+              </a:rPr>
+              <a:t> label</a:t>
+            </a:r>
+            <a:endParaRPr sz="1200" b="1" dirty="0">
               <a:solidFill>
                 <a:schemeClr val="dk1"/>
               </a:solidFill>
@@ -15660,15 +15741,24 @@
               <a:buChar char="○"/>
             </a:pPr>
             <a:r>
-              <a:rPr lang="en">
+              <a:rPr lang="en" sz="1200" dirty="0" err="1">
                 <a:latin typeface="Source Code Pro"/>
                 <a:ea typeface="Source Code Pro"/>
                 <a:cs typeface="Source Code Pro"/>
                 <a:sym typeface="Source Code Pro"/>
               </a:rPr>
-              <a:t>jal	proc             # proc()</a:t>
-            </a:r>
-            <a:endParaRPr>
+              <a:t>jal</a:t>
+            </a:r>
+            <a:r>
+              <a:rPr lang="en" sz="1200" dirty="0">
+                <a:latin typeface="Source Code Pro"/>
+                <a:ea typeface="Source Code Pro"/>
+                <a:cs typeface="Source Code Pro"/>
+                <a:sym typeface="Source Code Pro"/>
+              </a:rPr>
+              <a:t>	proc       # proc()</a:t>
+            </a:r>
+            <a:endParaRPr sz="1200" dirty="0">
               <a:latin typeface="Source Code Pro"/>
               <a:ea typeface="Source Code Pro"/>
               <a:cs typeface="Source Code Pro"/>
